--- a/files/CogPsychDay11.pptx
+++ b/files/CogPsychDay11.pptx
@@ -5,7 +5,7 @@
     <p:sldMasterId id="2147483659" r:id="rId1"/>
   </p:sldMasterIdLst>
   <p:notesMasterIdLst>
-    <p:notesMasterId r:id="rId66"/>
+    <p:notesMasterId r:id="rId68"/>
   </p:notesMasterIdLst>
   <p:sldIdLst>
     <p:sldId id="256" r:id="rId2"/>
@@ -57,45 +57,47 @@
     <p:sldId id="302" r:id="rId48"/>
     <p:sldId id="303" r:id="rId49"/>
     <p:sldId id="304" r:id="rId50"/>
-    <p:sldId id="305" r:id="rId51"/>
-    <p:sldId id="316" r:id="rId52"/>
-    <p:sldId id="317" r:id="rId53"/>
-    <p:sldId id="318" r:id="rId54"/>
-    <p:sldId id="319" r:id="rId55"/>
-    <p:sldId id="320" r:id="rId56"/>
-    <p:sldId id="321" r:id="rId57"/>
-    <p:sldId id="322" r:id="rId58"/>
-    <p:sldId id="323" r:id="rId59"/>
-    <p:sldId id="324" r:id="rId60"/>
-    <p:sldId id="325" r:id="rId61"/>
-    <p:sldId id="326" r:id="rId62"/>
-    <p:sldId id="327" r:id="rId63"/>
-    <p:sldId id="328" r:id="rId64"/>
-    <p:sldId id="329" r:id="rId65"/>
+    <p:sldId id="330" r:id="rId51"/>
+    <p:sldId id="305" r:id="rId52"/>
+    <p:sldId id="316" r:id="rId53"/>
+    <p:sldId id="317" r:id="rId54"/>
+    <p:sldId id="318" r:id="rId55"/>
+    <p:sldId id="319" r:id="rId56"/>
+    <p:sldId id="320" r:id="rId57"/>
+    <p:sldId id="321" r:id="rId58"/>
+    <p:sldId id="322" r:id="rId59"/>
+    <p:sldId id="323" r:id="rId60"/>
+    <p:sldId id="324" r:id="rId61"/>
+    <p:sldId id="325" r:id="rId62"/>
+    <p:sldId id="326" r:id="rId63"/>
+    <p:sldId id="327" r:id="rId64"/>
+    <p:sldId id="328" r:id="rId65"/>
+    <p:sldId id="329" r:id="rId66"/>
+    <p:sldId id="331" r:id="rId67"/>
   </p:sldIdLst>
   <p:sldSz cx="9144000" cy="5143500" type="screen16x9"/>
   <p:notesSz cx="6858000" cy="9144000"/>
   <p:embeddedFontLst>
     <p:embeddedFont>
       <p:font typeface="Lato" panose="020F0502020204030203" pitchFamily="34" charset="0"/>
-      <p:regular r:id="rId67"/>
-      <p:bold r:id="rId68"/>
-      <p:italic r:id="rId69"/>
-      <p:boldItalic r:id="rId70"/>
+      <p:regular r:id="rId69"/>
+      <p:bold r:id="rId70"/>
+      <p:italic r:id="rId71"/>
+      <p:boldItalic r:id="rId72"/>
     </p:embeddedFont>
     <p:embeddedFont>
       <p:font typeface="Raleway" panose="020B0604020202020204" charset="0"/>
-      <p:regular r:id="rId71"/>
-      <p:bold r:id="rId72"/>
-      <p:italic r:id="rId73"/>
-      <p:boldItalic r:id="rId74"/>
+      <p:regular r:id="rId73"/>
+      <p:bold r:id="rId74"/>
+      <p:italic r:id="rId75"/>
+      <p:boldItalic r:id="rId76"/>
     </p:embeddedFont>
     <p:embeddedFont>
       <p:font typeface="Source Sans Pro" panose="020B0503030403020204" pitchFamily="34" charset="0"/>
-      <p:regular r:id="rId75"/>
-      <p:bold r:id="rId76"/>
-      <p:italic r:id="rId77"/>
-      <p:boldItalic r:id="rId78"/>
+      <p:regular r:id="rId77"/>
+      <p:bold r:id="rId78"/>
+      <p:italic r:id="rId79"/>
+      <p:boldItalic r:id="rId80"/>
     </p:embeddedFont>
   </p:embeddedFontLst>
   <p:defaultTextStyle>
@@ -7337,7 +7339,7 @@
         </p:nvSpPr>
         <p:spPr>
           <a:xfrm>
-            <a:off x="381300" y="685800"/>
+            <a:off x="381000" y="685800"/>
             <a:ext cx="6096000" cy="3429000"/>
           </a:xfrm>
           <a:custGeom>
@@ -7406,10 +7408,10 @@
               <a:buNone/>
             </a:pPr>
             <a:r>
-              <a:rPr lang="en"/>
-              <a:t>Functional dissociations</a:t>
-            </a:r>
-            <a:endParaRPr/>
+              <a:rPr lang="en" dirty="0"/>
+              <a:t>• Developmental dissociations</a:t>
+            </a:r>
+            <a:endParaRPr dirty="0"/>
           </a:p>
           <a:p>
             <a:pPr marL="0" lvl="0" indent="0" algn="l" rtl="0">
@@ -7427,10 +7429,10 @@
               <a:buNone/>
             </a:pPr>
             <a:r>
-              <a:rPr lang="en"/>
-              <a:t>– E.g., retention interval (Tulving et al., 1982)</a:t>
-            </a:r>
-            <a:endParaRPr/>
+              <a:rPr lang="en" dirty="0"/>
+              <a:t>– Children vs. young adults</a:t>
+            </a:r>
+            <a:endParaRPr dirty="0"/>
           </a:p>
           <a:p>
             <a:pPr marL="0" lvl="0" indent="0" algn="l" rtl="0">
@@ -7448,10 +7450,10 @@
               <a:buNone/>
             </a:pPr>
             <a:r>
-              <a:rPr lang="en"/>
-              <a:t>• Developmental dissociations</a:t>
-            </a:r>
-            <a:endParaRPr/>
+              <a:rPr lang="en" dirty="0"/>
+              <a:t>– Young adults vs. older adults</a:t>
+            </a:r>
+            <a:endParaRPr dirty="0"/>
           </a:p>
           <a:p>
             <a:pPr marL="0" lvl="0" indent="0" algn="l" rtl="0">
@@ -7469,10 +7471,10 @@
               <a:buNone/>
             </a:pPr>
             <a:r>
-              <a:rPr lang="en"/>
-              <a:t>– Children vs. young adults</a:t>
-            </a:r>
-            <a:endParaRPr/>
+              <a:rPr lang="en" dirty="0"/>
+              <a:t>• Brain damage</a:t>
+            </a:r>
+            <a:endParaRPr dirty="0"/>
           </a:p>
           <a:p>
             <a:pPr marL="0" lvl="0" indent="0" algn="l" rtl="0">
@@ -7490,10 +7492,10 @@
               <a:buNone/>
             </a:pPr>
             <a:r>
-              <a:rPr lang="en"/>
-              <a:t>– Young adults vs. older adults</a:t>
-            </a:r>
-            <a:endParaRPr/>
+              <a:rPr lang="en" dirty="0"/>
+              <a:t>– Amnesic patients</a:t>
+            </a:r>
+            <a:endParaRPr dirty="0"/>
           </a:p>
           <a:p>
             <a:pPr marL="0" lvl="0" indent="0" algn="l" rtl="0">
@@ -7511,10 +7513,10 @@
               <a:buNone/>
             </a:pPr>
             <a:r>
-              <a:rPr lang="en"/>
-              <a:t>• Brain damage</a:t>
-            </a:r>
-            <a:endParaRPr/>
+              <a:rPr lang="en" dirty="0"/>
+              <a:t>• Impaired EE, preserved PP</a:t>
+            </a:r>
+            <a:endParaRPr dirty="0"/>
           </a:p>
           <a:p>
             <a:pPr marL="0" lvl="0" indent="0" algn="l" rtl="0">
@@ -7532,10 +7534,10 @@
               <a:buNone/>
             </a:pPr>
             <a:r>
-              <a:rPr lang="en"/>
-              <a:t>– Amnesic patients</a:t>
-            </a:r>
-            <a:endParaRPr/>
+              <a:rPr lang="en" dirty="0"/>
+              <a:t>– Patient MS (right occipital lesion)</a:t>
+            </a:r>
+            <a:endParaRPr dirty="0"/>
           </a:p>
           <a:p>
             <a:pPr marL="0" lvl="0" indent="0" algn="l" rtl="0">
@@ -7553,10 +7555,10 @@
               <a:buNone/>
             </a:pPr>
             <a:r>
-              <a:rPr lang="en"/>
-              <a:t>• Impaired EE, preserved PP</a:t>
-            </a:r>
-            <a:endParaRPr/>
+              <a:rPr lang="en" dirty="0"/>
+              <a:t>Gabrieli et al. (1995)</a:t>
+            </a:r>
+            <a:endParaRPr dirty="0"/>
           </a:p>
           <a:p>
             <a:pPr marL="0" lvl="0" indent="0" algn="l" rtl="0">
@@ -7574,10 +7576,10 @@
               <a:buNone/>
             </a:pPr>
             <a:r>
-              <a:rPr lang="en"/>
-              <a:t>– Patient MS (right occipital lesion)</a:t>
-            </a:r>
-            <a:endParaRPr/>
+              <a:rPr lang="en" dirty="0"/>
+              <a:t>• Impaired PP, preserved EE</a:t>
+            </a:r>
+            <a:endParaRPr dirty="0"/>
           </a:p>
           <a:p>
             <a:pPr marL="0" lvl="0" indent="0" algn="l" rtl="0">
@@ -7595,10 +7597,10 @@
               <a:buNone/>
             </a:pPr>
             <a:r>
-              <a:rPr lang="en"/>
-              <a:t>Gabrieli et al. (1995)</a:t>
-            </a:r>
-            <a:endParaRPr/>
+              <a:rPr lang="en" dirty="0"/>
+              <a:t>• Functional Neuroimaging</a:t>
+            </a:r>
+            <a:endParaRPr dirty="0"/>
           </a:p>
           <a:p>
             <a:pPr marL="0" lvl="0" indent="0" algn="l" rtl="0">
@@ -7616,10 +7618,10 @@
               <a:buNone/>
             </a:pPr>
             <a:r>
-              <a:rPr lang="en"/>
-              <a:t>• Impaired PP, preserved EE</a:t>
-            </a:r>
-            <a:endParaRPr/>
+              <a:rPr lang="en" dirty="0"/>
+              <a:t>– EM: right PFC, MTL, medial parietal, cb</a:t>
+            </a:r>
+            <a:endParaRPr dirty="0"/>
           </a:p>
           <a:p>
             <a:pPr marL="0" lvl="0" indent="0" algn="l" rtl="0">
@@ -7637,10 +7639,10 @@
               <a:buNone/>
             </a:pPr>
             <a:r>
-              <a:rPr lang="en"/>
-              <a:t>• Functional Neuroimaging</a:t>
-            </a:r>
-            <a:endParaRPr/>
+              <a:rPr lang="en" dirty="0"/>
+              <a:t>activations</a:t>
+            </a:r>
+            <a:endParaRPr dirty="0"/>
           </a:p>
           <a:p>
             <a:pPr marL="0" lvl="0" indent="0" algn="l" rtl="0">
@@ -7658,64 +7660,22 @@
               <a:buNone/>
             </a:pPr>
             <a:r>
-              <a:rPr lang="en"/>
-              <a:t>– EM: right PFC, MTL, medial parietal, cb</a:t>
-            </a:r>
-            <a:endParaRPr/>
-          </a:p>
-          <a:p>
-            <a:pPr marL="0" lvl="0" indent="0" algn="l" rtl="0">
-              <a:spcBef>
-                <a:spcPts val="0"/>
-              </a:spcBef>
-              <a:spcAft>
-                <a:spcPts val="0"/>
-              </a:spcAft>
-              <a:buClr>
-                <a:schemeClr val="dk1"/>
-              </a:buClr>
-              <a:buSzPts val="1100"/>
-              <a:buFont typeface="Arial"/>
-              <a:buNone/>
-            </a:pPr>
-            <a:r>
-              <a:rPr lang="en"/>
-              <a:t>activations</a:t>
-            </a:r>
-            <a:endParaRPr/>
-          </a:p>
-          <a:p>
-            <a:pPr marL="0" lvl="0" indent="0" algn="l" rtl="0">
-              <a:spcBef>
-                <a:spcPts val="0"/>
-              </a:spcBef>
-              <a:spcAft>
-                <a:spcPts val="0"/>
-              </a:spcAft>
-              <a:buClr>
-                <a:schemeClr val="dk1"/>
-              </a:buClr>
-              <a:buSzPts val="1100"/>
-              <a:buFont typeface="Arial"/>
-              <a:buNone/>
-            </a:pPr>
-            <a:r>
-              <a:rPr lang="en"/>
+              <a:rPr lang="en" dirty="0"/>
               <a:t>– PP: occipital deactivations</a:t>
             </a:r>
-            <a:endParaRPr/>
-          </a:p>
-          <a:p>
-            <a:pPr marL="0" lvl="0" indent="0" algn="l" rtl="0">
-              <a:spcBef>
-                <a:spcPts val="0"/>
-              </a:spcBef>
-              <a:spcAft>
-                <a:spcPts val="0"/>
-              </a:spcAft>
-              <a:buNone/>
-            </a:pPr>
-            <a:endParaRPr/>
+            <a:endParaRPr dirty="0"/>
+          </a:p>
+          <a:p>
+            <a:pPr marL="0" lvl="0" indent="0" algn="l" rtl="0">
+              <a:spcBef>
+                <a:spcPts val="0"/>
+              </a:spcBef>
+              <a:spcAft>
+                <a:spcPts val="0"/>
+              </a:spcAft>
+              <a:buNone/>
+            </a:pPr>
+            <a:endParaRPr dirty="0"/>
           </a:p>
         </p:txBody>
       </p:sp>
@@ -8233,7 +8193,7 @@
   <p:cSld>
     <p:spTree>
       <p:nvGrpSpPr>
-        <p:cNvPr id="1" name="Shape 397"/>
+        <p:cNvPr id="1" name="Shape 242"/>
         <p:cNvGrpSpPr/>
         <p:nvPr/>
       </p:nvGrpSpPr>
@@ -8247,7 +8207,7 @@
       </p:grpSpPr>
       <p:sp>
         <p:nvSpPr>
-          <p:cNvPr id="398" name="Google Shape;398;g588f7c1842_0_503:notes"/>
+          <p:cNvPr id="243" name="Google Shape;243;g588f7c1842_0_30:notes"/>
           <p:cNvSpPr>
             <a:spLocks noGrp="1" noRot="1" noChangeAspect="1"/>
           </p:cNvSpPr>
@@ -8288,7 +8248,7 @@
       </p:sp>
       <p:sp>
         <p:nvSpPr>
-          <p:cNvPr id="399" name="Google Shape;399;g588f7c1842_0_503:notes"/>
+          <p:cNvPr id="244" name="Google Shape;244;g588f7c1842_0_30:notes"/>
           <p:cNvSpPr txBox="1">
             <a:spLocks noGrp="1"/>
           </p:cNvSpPr>
@@ -8325,6 +8285,11 @@
         </p:txBody>
       </p:sp>
     </p:spTree>
+    <p:extLst>
+      <p:ext uri="{BB962C8B-B14F-4D97-AF65-F5344CB8AC3E}">
+        <p14:creationId xmlns:p14="http://schemas.microsoft.com/office/powerpoint/2010/main" val="1807453862"/>
+      </p:ext>
+    </p:extLst>
   </p:cSld>
   <p:clrMapOvr>
     <a:masterClrMapping/>
@@ -8337,7 +8302,7 @@
   <p:cSld>
     <p:spTree>
       <p:nvGrpSpPr>
-        <p:cNvPr id="1" name="Shape 477"/>
+        <p:cNvPr id="1" name="Shape 397"/>
         <p:cNvGrpSpPr/>
         <p:nvPr/>
       </p:nvGrpSpPr>
@@ -8351,7 +8316,7 @@
       </p:grpSpPr>
       <p:sp>
         <p:nvSpPr>
-          <p:cNvPr id="478" name="Google Shape;478;g588f7c1842_0_660:notes"/>
+          <p:cNvPr id="398" name="Google Shape;398;g588f7c1842_0_503:notes"/>
           <p:cNvSpPr>
             <a:spLocks noGrp="1" noRot="1" noChangeAspect="1"/>
           </p:cNvSpPr>
@@ -8392,7 +8357,7 @@
       </p:sp>
       <p:sp>
         <p:nvSpPr>
-          <p:cNvPr id="479" name="Google Shape;479;g588f7c1842_0_660:notes"/>
+          <p:cNvPr id="399" name="Google Shape;399;g588f7c1842_0_503:notes"/>
           <p:cNvSpPr txBox="1">
             <a:spLocks noGrp="1"/>
           </p:cNvSpPr>
@@ -8441,7 +8406,7 @@
   <p:cSld>
     <p:spTree>
       <p:nvGrpSpPr>
-        <p:cNvPr id="1" name="Shape 484"/>
+        <p:cNvPr id="1" name="Shape 477"/>
         <p:cNvGrpSpPr/>
         <p:nvPr/>
       </p:nvGrpSpPr>
@@ -8455,7 +8420,7 @@
       </p:grpSpPr>
       <p:sp>
         <p:nvSpPr>
-          <p:cNvPr id="485" name="Google Shape;485;g588f7c1842_0_666:notes"/>
+          <p:cNvPr id="478" name="Google Shape;478;g588f7c1842_0_660:notes"/>
           <p:cNvSpPr>
             <a:spLocks noGrp="1" noRot="1" noChangeAspect="1"/>
           </p:cNvSpPr>
@@ -8496,7 +8461,7 @@
       </p:sp>
       <p:sp>
         <p:nvSpPr>
-          <p:cNvPr id="486" name="Google Shape;486;g588f7c1842_0_666:notes"/>
+          <p:cNvPr id="479" name="Google Shape;479;g588f7c1842_0_660:notes"/>
           <p:cNvSpPr txBox="1">
             <a:spLocks noGrp="1"/>
           </p:cNvSpPr>
@@ -8545,7 +8510,7 @@
   <p:cSld>
     <p:spTree>
       <p:nvGrpSpPr>
-        <p:cNvPr id="1" name="Shape 491"/>
+        <p:cNvPr id="1" name="Shape 484"/>
         <p:cNvGrpSpPr/>
         <p:nvPr/>
       </p:nvGrpSpPr>
@@ -8559,7 +8524,7 @@
       </p:grpSpPr>
       <p:sp>
         <p:nvSpPr>
-          <p:cNvPr id="492" name="Google Shape;492;g588f7c1842_0_470:notes"/>
+          <p:cNvPr id="485" name="Google Shape;485;g588f7c1842_0_666:notes"/>
           <p:cNvSpPr>
             <a:spLocks noGrp="1" noRot="1" noChangeAspect="1"/>
           </p:cNvSpPr>
@@ -8600,7 +8565,7 @@
       </p:sp>
       <p:sp>
         <p:nvSpPr>
-          <p:cNvPr id="493" name="Google Shape;493;g588f7c1842_0_470:notes"/>
+          <p:cNvPr id="486" name="Google Shape;486;g588f7c1842_0_666:notes"/>
           <p:cNvSpPr txBox="1">
             <a:spLocks noGrp="1"/>
           </p:cNvSpPr>
@@ -8649,7 +8614,7 @@
   <p:cSld>
     <p:spTree>
       <p:nvGrpSpPr>
-        <p:cNvPr id="1" name="Shape 497"/>
+        <p:cNvPr id="1" name="Shape 491"/>
         <p:cNvGrpSpPr/>
         <p:nvPr/>
       </p:nvGrpSpPr>
@@ -8663,7 +8628,7 @@
       </p:grpSpPr>
       <p:sp>
         <p:nvSpPr>
-          <p:cNvPr id="498" name="Google Shape;498;g588f7c1842_0_475:notes"/>
+          <p:cNvPr id="492" name="Google Shape;492;g588f7c1842_0_470:notes"/>
           <p:cNvSpPr>
             <a:spLocks noGrp="1" noRot="1" noChangeAspect="1"/>
           </p:cNvSpPr>
@@ -8704,7 +8669,7 @@
       </p:sp>
       <p:sp>
         <p:nvSpPr>
-          <p:cNvPr id="499" name="Google Shape;499;g588f7c1842_0_475:notes"/>
+          <p:cNvPr id="493" name="Google Shape;493;g588f7c1842_0_470:notes"/>
           <p:cNvSpPr txBox="1">
             <a:spLocks noGrp="1"/>
           </p:cNvSpPr>
@@ -8753,7 +8718,7 @@
   <p:cSld>
     <p:spTree>
       <p:nvGrpSpPr>
-        <p:cNvPr id="1" name="Shape 503"/>
+        <p:cNvPr id="1" name="Shape 497"/>
         <p:cNvGrpSpPr/>
         <p:nvPr/>
       </p:nvGrpSpPr>
@@ -8767,7 +8732,7 @@
       </p:grpSpPr>
       <p:sp>
         <p:nvSpPr>
-          <p:cNvPr id="504" name="Google Shape;504;g588f7c1842_0_480:notes"/>
+          <p:cNvPr id="498" name="Google Shape;498;g588f7c1842_0_475:notes"/>
           <p:cNvSpPr>
             <a:spLocks noGrp="1" noRot="1" noChangeAspect="1"/>
           </p:cNvSpPr>
@@ -8808,7 +8773,7 @@
       </p:sp>
       <p:sp>
         <p:nvSpPr>
-          <p:cNvPr id="505" name="Google Shape;505;g588f7c1842_0_480:notes"/>
+          <p:cNvPr id="499" name="Google Shape;499;g588f7c1842_0_475:notes"/>
           <p:cNvSpPr txBox="1">
             <a:spLocks noGrp="1"/>
           </p:cNvSpPr>
@@ -8857,7 +8822,7 @@
   <p:cSld>
     <p:spTree>
       <p:nvGrpSpPr>
-        <p:cNvPr id="1" name="Shape 509"/>
+        <p:cNvPr id="1" name="Shape 503"/>
         <p:cNvGrpSpPr/>
         <p:nvPr/>
       </p:nvGrpSpPr>
@@ -8871,7 +8836,7 @@
       </p:grpSpPr>
       <p:sp>
         <p:nvSpPr>
-          <p:cNvPr id="510" name="Google Shape;510;g588f7c1842_0_582:notes"/>
+          <p:cNvPr id="504" name="Google Shape;504;g588f7c1842_0_480:notes"/>
           <p:cNvSpPr>
             <a:spLocks noGrp="1" noRot="1" noChangeAspect="1"/>
           </p:cNvSpPr>
@@ -8912,7 +8877,7 @@
       </p:sp>
       <p:sp>
         <p:nvSpPr>
-          <p:cNvPr id="511" name="Google Shape;511;g588f7c1842_0_582:notes"/>
+          <p:cNvPr id="505" name="Google Shape;505;g588f7c1842_0_480:notes"/>
           <p:cNvSpPr txBox="1">
             <a:spLocks noGrp="1"/>
           </p:cNvSpPr>
@@ -8961,7 +8926,7 @@
   <p:cSld>
     <p:spTree>
       <p:nvGrpSpPr>
-        <p:cNvPr id="1" name="Shape 515"/>
+        <p:cNvPr id="1" name="Shape 509"/>
         <p:cNvGrpSpPr/>
         <p:nvPr/>
       </p:nvGrpSpPr>
@@ -8975,7 +8940,7 @@
       </p:grpSpPr>
       <p:sp>
         <p:nvSpPr>
-          <p:cNvPr id="516" name="Google Shape;516;g588f7c1842_0_655:notes"/>
+          <p:cNvPr id="510" name="Google Shape;510;g588f7c1842_0_582:notes"/>
           <p:cNvSpPr>
             <a:spLocks noGrp="1" noRot="1" noChangeAspect="1"/>
           </p:cNvSpPr>
@@ -9016,7 +8981,7 @@
       </p:sp>
       <p:sp>
         <p:nvSpPr>
-          <p:cNvPr id="517" name="Google Shape;517;g588f7c1842_0_655:notes"/>
+          <p:cNvPr id="511" name="Google Shape;511;g588f7c1842_0_582:notes"/>
           <p:cNvSpPr txBox="1">
             <a:spLocks noGrp="1"/>
           </p:cNvSpPr>
@@ -9065,7 +9030,7 @@
   <p:cSld>
     <p:spTree>
       <p:nvGrpSpPr>
-        <p:cNvPr id="1" name="Shape 521"/>
+        <p:cNvPr id="1" name="Shape 515"/>
         <p:cNvGrpSpPr/>
         <p:nvPr/>
       </p:nvGrpSpPr>
@@ -9079,7 +9044,7 @@
       </p:grpSpPr>
       <p:sp>
         <p:nvSpPr>
-          <p:cNvPr id="522" name="Google Shape;522;g588f7c1842_0_619:notes"/>
+          <p:cNvPr id="516" name="Google Shape;516;g588f7c1842_0_655:notes"/>
           <p:cNvSpPr>
             <a:spLocks noGrp="1" noRot="1" noChangeAspect="1"/>
           </p:cNvSpPr>
@@ -9120,7 +9085,7 @@
       </p:sp>
       <p:sp>
         <p:nvSpPr>
-          <p:cNvPr id="523" name="Google Shape;523;g588f7c1842_0_619:notes"/>
+          <p:cNvPr id="517" name="Google Shape;517;g588f7c1842_0_655:notes"/>
           <p:cNvSpPr txBox="1">
             <a:spLocks noGrp="1"/>
           </p:cNvSpPr>
@@ -9169,7 +9134,7 @@
   <p:cSld>
     <p:spTree>
       <p:nvGrpSpPr>
-        <p:cNvPr id="1" name="Shape 526"/>
+        <p:cNvPr id="1" name="Shape 521"/>
         <p:cNvGrpSpPr/>
         <p:nvPr/>
       </p:nvGrpSpPr>
@@ -9183,7 +9148,7 @@
       </p:grpSpPr>
       <p:sp>
         <p:nvSpPr>
-          <p:cNvPr id="527" name="Google Shape;527;g588f7c1842_0_624:notes"/>
+          <p:cNvPr id="522" name="Google Shape;522;g588f7c1842_0_619:notes"/>
           <p:cNvSpPr>
             <a:spLocks noGrp="1" noRot="1" noChangeAspect="1"/>
           </p:cNvSpPr>
@@ -9224,7 +9189,7 @@
       </p:sp>
       <p:sp>
         <p:nvSpPr>
-          <p:cNvPr id="528" name="Google Shape;528;g588f7c1842_0_624:notes"/>
+          <p:cNvPr id="523" name="Google Shape;523;g588f7c1842_0_619:notes"/>
           <p:cNvSpPr txBox="1">
             <a:spLocks noGrp="1"/>
           </p:cNvSpPr>
@@ -9528,7 +9493,7 @@
   <p:cSld>
     <p:spTree>
       <p:nvGrpSpPr>
-        <p:cNvPr id="1" name="Shape 531"/>
+        <p:cNvPr id="1" name="Shape 526"/>
         <p:cNvGrpSpPr/>
         <p:nvPr/>
       </p:nvGrpSpPr>
@@ -9542,7 +9507,7 @@
       </p:grpSpPr>
       <p:sp>
         <p:nvSpPr>
-          <p:cNvPr id="532" name="Google Shape;532;g588f7c1842_0_628:notes"/>
+          <p:cNvPr id="527" name="Google Shape;527;g588f7c1842_0_624:notes"/>
           <p:cNvSpPr>
             <a:spLocks noGrp="1" noRot="1" noChangeAspect="1"/>
           </p:cNvSpPr>
@@ -9583,7 +9548,7 @@
       </p:sp>
       <p:sp>
         <p:nvSpPr>
-          <p:cNvPr id="533" name="Google Shape;533;g588f7c1842_0_628:notes"/>
+          <p:cNvPr id="528" name="Google Shape;528;g588f7c1842_0_624:notes"/>
           <p:cNvSpPr txBox="1">
             <a:spLocks noGrp="1"/>
           </p:cNvSpPr>
@@ -9632,7 +9597,7 @@
   <p:cSld>
     <p:spTree>
       <p:nvGrpSpPr>
-        <p:cNvPr id="1" name="Shape 536"/>
+        <p:cNvPr id="1" name="Shape 531"/>
         <p:cNvGrpSpPr/>
         <p:nvPr/>
       </p:nvGrpSpPr>
@@ -9646,7 +9611,7 @@
       </p:grpSpPr>
       <p:sp>
         <p:nvSpPr>
-          <p:cNvPr id="537" name="Google Shape;537;g588f7c1842_0_632:notes"/>
+          <p:cNvPr id="532" name="Google Shape;532;g588f7c1842_0_628:notes"/>
           <p:cNvSpPr>
             <a:spLocks noGrp="1" noRot="1" noChangeAspect="1"/>
           </p:cNvSpPr>
@@ -9656,7 +9621,7 @@
         </p:nvSpPr>
         <p:spPr>
           <a:xfrm>
-            <a:off x="381000" y="685800"/>
+            <a:off x="381300" y="685800"/>
             <a:ext cx="6096000" cy="3429000"/>
           </a:xfrm>
           <a:custGeom>
@@ -9687,7 +9652,7 @@
       </p:sp>
       <p:sp>
         <p:nvSpPr>
-          <p:cNvPr id="538" name="Google Shape;538;g588f7c1842_0_632:notes"/>
+          <p:cNvPr id="533" name="Google Shape;533;g588f7c1842_0_628:notes"/>
           <p:cNvSpPr txBox="1">
             <a:spLocks noGrp="1"/>
           </p:cNvSpPr>
@@ -9736,7 +9701,7 @@
   <p:cSld>
     <p:spTree>
       <p:nvGrpSpPr>
-        <p:cNvPr id="1" name="Shape 541"/>
+        <p:cNvPr id="1" name="Shape 536"/>
         <p:cNvGrpSpPr/>
         <p:nvPr/>
       </p:nvGrpSpPr>
@@ -9750,7 +9715,7 @@
       </p:grpSpPr>
       <p:sp>
         <p:nvSpPr>
-          <p:cNvPr id="542" name="Google Shape;542;g588f7c1842_0_636:notes"/>
+          <p:cNvPr id="537" name="Google Shape;537;g588f7c1842_0_632:notes"/>
           <p:cNvSpPr>
             <a:spLocks noGrp="1" noRot="1" noChangeAspect="1"/>
           </p:cNvSpPr>
@@ -9760,7 +9725,7 @@
         </p:nvSpPr>
         <p:spPr>
           <a:xfrm>
-            <a:off x="381300" y="685800"/>
+            <a:off x="381000" y="685800"/>
             <a:ext cx="6096000" cy="3429000"/>
           </a:xfrm>
           <a:custGeom>
@@ -9791,7 +9756,7 @@
       </p:sp>
       <p:sp>
         <p:nvSpPr>
-          <p:cNvPr id="543" name="Google Shape;543;g588f7c1842_0_636:notes"/>
+          <p:cNvPr id="538" name="Google Shape;538;g588f7c1842_0_632:notes"/>
           <p:cNvSpPr txBox="1">
             <a:spLocks noGrp="1"/>
           </p:cNvSpPr>
@@ -9840,7 +9805,7 @@
   <p:cSld>
     <p:spTree>
       <p:nvGrpSpPr>
-        <p:cNvPr id="1" name="Shape 546"/>
+        <p:cNvPr id="1" name="Shape 541"/>
         <p:cNvGrpSpPr/>
         <p:nvPr/>
       </p:nvGrpSpPr>
@@ -9854,7 +9819,7 @@
       </p:grpSpPr>
       <p:sp>
         <p:nvSpPr>
-          <p:cNvPr id="547" name="Google Shape;547;g588f7c1842_0_640:notes"/>
+          <p:cNvPr id="542" name="Google Shape;542;g588f7c1842_0_636:notes"/>
           <p:cNvSpPr>
             <a:spLocks noGrp="1" noRot="1" noChangeAspect="1"/>
           </p:cNvSpPr>
@@ -9895,7 +9860,7 @@
       </p:sp>
       <p:sp>
         <p:nvSpPr>
-          <p:cNvPr id="548" name="Google Shape;548;g588f7c1842_0_640:notes"/>
+          <p:cNvPr id="543" name="Google Shape;543;g588f7c1842_0_636:notes"/>
           <p:cNvSpPr txBox="1">
             <a:spLocks noGrp="1"/>
           </p:cNvSpPr>
@@ -9940,6 +9905,110 @@
 </file>
 
 <file path=ppt/notesSlides/notesSlide64.xml><?xml version="1.0" encoding="utf-8"?>
+<p:notes xmlns:a="http://schemas.openxmlformats.org/drawingml/2006/main" xmlns:r="http://schemas.openxmlformats.org/officeDocument/2006/relationships" xmlns:p="http://schemas.openxmlformats.org/presentationml/2006/main" showMasterSp="0" showMasterPhAnim="0">
+  <p:cSld>
+    <p:spTree>
+      <p:nvGrpSpPr>
+        <p:cNvPr id="1" name="Shape 546"/>
+        <p:cNvGrpSpPr/>
+        <p:nvPr/>
+      </p:nvGrpSpPr>
+      <p:grpSpPr>
+        <a:xfrm>
+          <a:off x="0" y="0"/>
+          <a:ext cx="0" cy="0"/>
+          <a:chOff x="0" y="0"/>
+          <a:chExt cx="0" cy="0"/>
+        </a:xfrm>
+      </p:grpSpPr>
+      <p:sp>
+        <p:nvSpPr>
+          <p:cNvPr id="547" name="Google Shape;547;g588f7c1842_0_640:notes"/>
+          <p:cNvSpPr>
+            <a:spLocks noGrp="1" noRot="1" noChangeAspect="1"/>
+          </p:cNvSpPr>
+          <p:nvPr>
+            <p:ph type="sldImg" idx="2"/>
+          </p:nvPr>
+        </p:nvSpPr>
+        <p:spPr>
+          <a:xfrm>
+            <a:off x="381300" y="685800"/>
+            <a:ext cx="6096000" cy="3429000"/>
+          </a:xfrm>
+          <a:custGeom>
+            <a:avLst/>
+            <a:gdLst/>
+            <a:ahLst/>
+            <a:cxnLst/>
+            <a:rect l="l" t="t" r="r" b="b"/>
+            <a:pathLst>
+              <a:path w="120000" h="120000" extrusionOk="0">
+                <a:moveTo>
+                  <a:pt x="0" y="0"/>
+                </a:moveTo>
+                <a:lnTo>
+                  <a:pt x="120000" y="0"/>
+                </a:lnTo>
+                <a:lnTo>
+                  <a:pt x="120000" y="120000"/>
+                </a:lnTo>
+                <a:lnTo>
+                  <a:pt x="0" y="120000"/>
+                </a:lnTo>
+                <a:close/>
+              </a:path>
+            </a:pathLst>
+          </a:custGeom>
+        </p:spPr>
+      </p:sp>
+      <p:sp>
+        <p:nvSpPr>
+          <p:cNvPr id="548" name="Google Shape;548;g588f7c1842_0_640:notes"/>
+          <p:cNvSpPr txBox="1">
+            <a:spLocks noGrp="1"/>
+          </p:cNvSpPr>
+          <p:nvPr>
+            <p:ph type="body" idx="1"/>
+          </p:nvPr>
+        </p:nvSpPr>
+        <p:spPr>
+          <a:xfrm>
+            <a:off x="685800" y="4343400"/>
+            <a:ext cx="5486400" cy="4114800"/>
+          </a:xfrm>
+          <a:prstGeom prst="rect">
+            <a:avLst/>
+          </a:prstGeom>
+        </p:spPr>
+        <p:txBody>
+          <a:bodyPr spcFirstLastPara="1" wrap="square" lIns="91425" tIns="91425" rIns="91425" bIns="91425" anchor="t" anchorCtr="0">
+            <a:noAutofit/>
+          </a:bodyPr>
+          <a:lstStyle/>
+          <a:p>
+            <a:pPr marL="0" lvl="0" indent="0" algn="l" rtl="0">
+              <a:spcBef>
+                <a:spcPts val="0"/>
+              </a:spcBef>
+              <a:spcAft>
+                <a:spcPts val="0"/>
+              </a:spcAft>
+              <a:buNone/>
+            </a:pPr>
+            <a:endParaRPr/>
+          </a:p>
+        </p:txBody>
+      </p:sp>
+    </p:spTree>
+  </p:cSld>
+  <p:clrMapOvr>
+    <a:masterClrMapping/>
+  </p:clrMapOvr>
+</p:notes>
+</file>
+
+<file path=ppt/notesSlides/notesSlide65.xml><?xml version="1.0" encoding="utf-8"?>
 <p:notes xmlns:a="http://schemas.openxmlformats.org/drawingml/2006/main" xmlns:r="http://schemas.openxmlformats.org/officeDocument/2006/relationships" xmlns:p="http://schemas.openxmlformats.org/presentationml/2006/main" showMasterSp="0" showMasterPhAnim="0">
   <p:cSld>
     <p:spTree>
@@ -26033,6 +26102,106 @@
 </file>
 
 <file path=ppt/slides/slide50.xml><?xml version="1.0" encoding="utf-8"?>
+<p:sld xmlns:a="http://schemas.openxmlformats.org/drawingml/2006/main" xmlns:r="http://schemas.openxmlformats.org/officeDocument/2006/relationships" xmlns:p="http://schemas.openxmlformats.org/presentationml/2006/main">
+  <p:cSld>
+    <p:spTree>
+      <p:nvGrpSpPr>
+        <p:cNvPr id="1" name="Shape 245"/>
+        <p:cNvGrpSpPr/>
+        <p:nvPr/>
+      </p:nvGrpSpPr>
+      <p:grpSpPr>
+        <a:xfrm>
+          <a:off x="0" y="0"/>
+          <a:ext cx="0" cy="0"/>
+          <a:chOff x="0" y="0"/>
+          <a:chExt cx="0" cy="0"/>
+        </a:xfrm>
+      </p:grpSpPr>
+      <p:sp>
+        <p:nvSpPr>
+          <p:cNvPr id="246" name="Google Shape;246;p38"/>
+          <p:cNvSpPr txBox="1">
+            <a:spLocks noGrp="1"/>
+          </p:cNvSpPr>
+          <p:nvPr>
+            <p:ph type="title"/>
+          </p:nvPr>
+        </p:nvSpPr>
+        <p:spPr>
+          <a:xfrm>
+            <a:off x="893700" y="205988"/>
+            <a:ext cx="6462600" cy="857400"/>
+          </a:xfrm>
+          <a:prstGeom prst="rect">
+            <a:avLst/>
+          </a:prstGeom>
+        </p:spPr>
+        <p:txBody>
+          <a:bodyPr spcFirstLastPara="1" wrap="square" lIns="91425" tIns="91425" rIns="91425" bIns="91425" anchor="b" anchorCtr="0">
+            <a:noAutofit/>
+          </a:bodyPr>
+          <a:lstStyle/>
+          <a:p>
+            <a:pPr marL="0" lvl="0" indent="0" algn="l" rtl="0">
+              <a:spcBef>
+                <a:spcPts val="0"/>
+              </a:spcBef>
+              <a:spcAft>
+                <a:spcPts val="0"/>
+              </a:spcAft>
+              <a:buNone/>
+            </a:pPr>
+            <a:r>
+              <a:rPr lang="en"/>
+              <a:t>Subdivisions of Memory</a:t>
+            </a:r>
+            <a:endParaRPr/>
+          </a:p>
+        </p:txBody>
+      </p:sp>
+      <p:pic>
+        <p:nvPicPr>
+          <p:cNvPr id="247" name="Google Shape;247;p38"/>
+          <p:cNvPicPr preferRelativeResize="0"/>
+          <p:nvPr/>
+        </p:nvPicPr>
+        <p:blipFill>
+          <a:blip r:embed="rId3">
+            <a:alphaModFix/>
+          </a:blip>
+          <a:stretch>
+            <a:fillRect/>
+          </a:stretch>
+        </p:blipFill>
+        <p:spPr>
+          <a:xfrm>
+            <a:off x="1126525" y="1230988"/>
+            <a:ext cx="6890940" cy="3775313"/>
+          </a:xfrm>
+          <a:prstGeom prst="rect">
+            <a:avLst/>
+          </a:prstGeom>
+          <a:noFill/>
+          <a:ln>
+            <a:noFill/>
+          </a:ln>
+        </p:spPr>
+      </p:pic>
+    </p:spTree>
+    <p:extLst>
+      <p:ext uri="{BB962C8B-B14F-4D97-AF65-F5344CB8AC3E}">
+        <p14:creationId xmlns:p14="http://schemas.microsoft.com/office/powerpoint/2010/main" val="126769426"/>
+      </p:ext>
+    </p:extLst>
+  </p:cSld>
+  <p:clrMapOvr>
+    <a:masterClrMapping/>
+  </p:clrMapOvr>
+</p:sld>
+</file>
+
+<file path=ppt/slides/slide51.xml><?xml version="1.0" encoding="utf-8"?>
 <p:sld xmlns:a="http://schemas.openxmlformats.org/drawingml/2006/main" xmlns:r="http://schemas.openxmlformats.org/officeDocument/2006/relationships" xmlns:p="http://schemas.openxmlformats.org/presentationml/2006/main" show="0">
   <p:cSld>
     <p:spTree>
@@ -26806,7 +26975,7 @@
 </p:sld>
 </file>
 
-<file path=ppt/slides/slide51.xml><?xml version="1.0" encoding="utf-8"?>
+<file path=ppt/slides/slide52.xml><?xml version="1.0" encoding="utf-8"?>
 <p:sld xmlns:a="http://schemas.openxmlformats.org/drawingml/2006/main" xmlns:r="http://schemas.openxmlformats.org/officeDocument/2006/relationships" xmlns:p="http://schemas.openxmlformats.org/presentationml/2006/main" show="0">
   <p:cSld>
     <p:spTree>
@@ -26932,7 +27101,7 @@
 </p:sld>
 </file>
 
-<file path=ppt/slides/slide52.xml><?xml version="1.0" encoding="utf-8"?>
+<file path=ppt/slides/slide53.xml><?xml version="1.0" encoding="utf-8"?>
 <p:sld xmlns:a="http://schemas.openxmlformats.org/drawingml/2006/main" xmlns:r="http://schemas.openxmlformats.org/officeDocument/2006/relationships" xmlns:p="http://schemas.openxmlformats.org/presentationml/2006/main" show="0">
   <p:cSld>
     <p:spTree>
@@ -27058,7 +27227,7 @@
 </p:sld>
 </file>
 
-<file path=ppt/slides/slide53.xml><?xml version="1.0" encoding="utf-8"?>
+<file path=ppt/slides/slide54.xml><?xml version="1.0" encoding="utf-8"?>
 <p:sld xmlns:a="http://schemas.openxmlformats.org/drawingml/2006/main" xmlns:r="http://schemas.openxmlformats.org/officeDocument/2006/relationships" xmlns:p="http://schemas.openxmlformats.org/presentationml/2006/main">
   <p:cSld>
     <p:spTree>
@@ -27299,7 +27468,7 @@
 </p:sld>
 </file>
 
-<file path=ppt/slides/slide54.xml><?xml version="1.0" encoding="utf-8"?>
+<file path=ppt/slides/slide55.xml><?xml version="1.0" encoding="utf-8"?>
 <p:sld xmlns:a="http://schemas.openxmlformats.org/drawingml/2006/main" xmlns:r="http://schemas.openxmlformats.org/officeDocument/2006/relationships" xmlns:p="http://schemas.openxmlformats.org/presentationml/2006/main">
   <p:cSld>
     <p:spTree>
@@ -27511,7 +27680,7 @@
 </p:sld>
 </file>
 
-<file path=ppt/slides/slide55.xml><?xml version="1.0" encoding="utf-8"?>
+<file path=ppt/slides/slide56.xml><?xml version="1.0" encoding="utf-8"?>
 <p:sld xmlns:a="http://schemas.openxmlformats.org/drawingml/2006/main" xmlns:r="http://schemas.openxmlformats.org/officeDocument/2006/relationships" xmlns:p="http://schemas.openxmlformats.org/presentationml/2006/main">
   <p:cSld>
     <p:spTree>
@@ -27666,7 +27835,7 @@
 </p:sld>
 </file>
 
-<file path=ppt/slides/slide56.xml><?xml version="1.0" encoding="utf-8"?>
+<file path=ppt/slides/slide57.xml><?xml version="1.0" encoding="utf-8"?>
 <p:sld xmlns:a="http://schemas.openxmlformats.org/drawingml/2006/main" xmlns:r="http://schemas.openxmlformats.org/officeDocument/2006/relationships" xmlns:p="http://schemas.openxmlformats.org/presentationml/2006/main">
   <p:cSld>
     <p:spTree>
@@ -27775,7 +27944,7 @@
 </p:sld>
 </file>
 
-<file path=ppt/slides/slide57.xml><?xml version="1.0" encoding="utf-8"?>
+<file path=ppt/slides/slide58.xml><?xml version="1.0" encoding="utf-8"?>
 <p:sld xmlns:a="http://schemas.openxmlformats.org/drawingml/2006/main" xmlns:r="http://schemas.openxmlformats.org/officeDocument/2006/relationships" xmlns:p="http://schemas.openxmlformats.org/presentationml/2006/main">
   <p:cSld>
     <p:spTree>
@@ -27884,7 +28053,7 @@
 </p:sld>
 </file>
 
-<file path=ppt/slides/slide58.xml><?xml version="1.0" encoding="utf-8"?>
+<file path=ppt/slides/slide59.xml><?xml version="1.0" encoding="utf-8"?>
 <p:sld xmlns:a="http://schemas.openxmlformats.org/drawingml/2006/main" xmlns:r="http://schemas.openxmlformats.org/officeDocument/2006/relationships" xmlns:p="http://schemas.openxmlformats.org/presentationml/2006/main">
   <p:cSld>
     <p:spTree>
@@ -28008,141 +28177,6 @@
               <a:t>Increases both the primacy and recency effects</a:t>
             </a:r>
             <a:endParaRPr/>
-          </a:p>
-        </p:txBody>
-      </p:sp>
-    </p:spTree>
-  </p:cSld>
-  <p:clrMapOvr>
-    <a:masterClrMapping/>
-  </p:clrMapOvr>
-</p:sld>
-</file>
-
-<file path=ppt/slides/slide59.xml><?xml version="1.0" encoding="utf-8"?>
-<p:sld xmlns:a="http://schemas.openxmlformats.org/drawingml/2006/main" xmlns:r="http://schemas.openxmlformats.org/officeDocument/2006/relationships" xmlns:p="http://schemas.openxmlformats.org/presentationml/2006/main">
-  <p:cSld>
-    <p:spTree>
-      <p:nvGrpSpPr>
-        <p:cNvPr id="1" name="Shape 529"/>
-        <p:cNvGrpSpPr/>
-        <p:nvPr/>
-      </p:nvGrpSpPr>
-      <p:grpSpPr>
-        <a:xfrm>
-          <a:off x="0" y="0"/>
-          <a:ext cx="0" cy="0"/>
-          <a:chOff x="0" y="0"/>
-          <a:chExt cx="0" cy="0"/>
-        </a:xfrm>
-      </p:grpSpPr>
-      <p:sp>
-        <p:nvSpPr>
-          <p:cNvPr id="530" name="Google Shape;530;p81"/>
-          <p:cNvSpPr txBox="1">
-            <a:spLocks noGrp="1"/>
-          </p:cNvSpPr>
-          <p:nvPr>
-            <p:ph type="body" idx="1"/>
-          </p:nvPr>
-        </p:nvSpPr>
-        <p:spPr>
-          <a:xfrm>
-            <a:off x="893700" y="363775"/>
-            <a:ext cx="7734000" cy="4333500"/>
-          </a:xfrm>
-          <a:prstGeom prst="rect">
-            <a:avLst/>
-          </a:prstGeom>
-        </p:spPr>
-        <p:txBody>
-          <a:bodyPr spcFirstLastPara="1" wrap="square" lIns="91425" tIns="91425" rIns="91425" bIns="91425" anchor="t" anchorCtr="0">
-            <a:noAutofit/>
-          </a:bodyPr>
-          <a:lstStyle/>
-          <a:p>
-            <a:pPr marL="0" lvl="0" indent="0" algn="l" rtl="0">
-              <a:spcBef>
-                <a:spcPts val="600"/>
-              </a:spcBef>
-              <a:spcAft>
-                <a:spcPts val="0"/>
-              </a:spcAft>
-              <a:buNone/>
-            </a:pPr>
-            <a:r>
-              <a:rPr lang="en" sz="2400"/>
-              <a:t>In which of the following examples of two different brain-injured patients (Tom and Tim) is a double dissociation demonstrated?</a:t>
-            </a:r>
-            <a:endParaRPr sz="2400"/>
-          </a:p>
-          <a:p>
-            <a:pPr marL="457200" lvl="0" indent="-381000" algn="l" rtl="0">
-              <a:spcBef>
-                <a:spcPts val="600"/>
-              </a:spcBef>
-              <a:spcAft>
-                <a:spcPts val="0"/>
-              </a:spcAft>
-              <a:buSzPts val="2400"/>
-              <a:buChar char="▷"/>
-            </a:pPr>
-            <a:r>
-              <a:rPr lang="en" sz="2400"/>
-              <a:t>Both Tom and Tim have good episodic memory but poor semantic memory</a:t>
-            </a:r>
-            <a:endParaRPr sz="2400"/>
-          </a:p>
-          <a:p>
-            <a:pPr marL="457200" lvl="0" indent="-381000" algn="l" rtl="0">
-              <a:spcBef>
-                <a:spcPts val="0"/>
-              </a:spcBef>
-              <a:spcAft>
-                <a:spcPts val="0"/>
-              </a:spcAft>
-              <a:buSzPts val="2400"/>
-              <a:buChar char="▷"/>
-            </a:pPr>
-            <a:r>
-              <a:rPr lang="en" sz="2400"/>
-              <a:t>Tom and Tim both show deficits in episodic and semantic memory</a:t>
-            </a:r>
-            <a:endParaRPr sz="2400"/>
-          </a:p>
-          <a:p>
-            <a:pPr marL="457200" lvl="0" indent="-381000" algn="l" rtl="0">
-              <a:spcBef>
-                <a:spcPts val="0"/>
-              </a:spcBef>
-              <a:spcAft>
-                <a:spcPts val="0"/>
-              </a:spcAft>
-              <a:buSzPts val="2400"/>
-              <a:buChar char="▷"/>
-            </a:pPr>
-            <a:r>
-              <a:rPr lang="en" sz="2400"/>
-              <a:t>Tom has good semantic memory and poor episodic memory, while Tim has good episodic memory but poor semantic memory</a:t>
-            </a:r>
-            <a:endParaRPr sz="2400"/>
-          </a:p>
-          <a:p>
-            <a:pPr marL="457200" lvl="0" indent="-381000" algn="l" rtl="0">
-              <a:spcBef>
-                <a:spcPts val="0"/>
-              </a:spcBef>
-              <a:spcAft>
-                <a:spcPts val="0"/>
-              </a:spcAft>
-              <a:buSzPts val="2400"/>
-              <a:buChar char="▷"/>
-            </a:pPr>
-            <a:r>
-              <a:rPr lang="en" sz="2400"/>
-              <a:t>Both Tom and Tim have good semantic memory but poor episodic memory</a:t>
-            </a:r>
-            <a:endParaRPr sz="2400"/>
           </a:p>
         </p:txBody>
       </p:sp>
@@ -28371,6 +28405,141 @@
   <p:cSld>
     <p:spTree>
       <p:nvGrpSpPr>
+        <p:cNvPr id="1" name="Shape 529"/>
+        <p:cNvGrpSpPr/>
+        <p:nvPr/>
+      </p:nvGrpSpPr>
+      <p:grpSpPr>
+        <a:xfrm>
+          <a:off x="0" y="0"/>
+          <a:ext cx="0" cy="0"/>
+          <a:chOff x="0" y="0"/>
+          <a:chExt cx="0" cy="0"/>
+        </a:xfrm>
+      </p:grpSpPr>
+      <p:sp>
+        <p:nvSpPr>
+          <p:cNvPr id="530" name="Google Shape;530;p81"/>
+          <p:cNvSpPr txBox="1">
+            <a:spLocks noGrp="1"/>
+          </p:cNvSpPr>
+          <p:nvPr>
+            <p:ph type="body" idx="1"/>
+          </p:nvPr>
+        </p:nvSpPr>
+        <p:spPr>
+          <a:xfrm>
+            <a:off x="893700" y="363775"/>
+            <a:ext cx="7734000" cy="4333500"/>
+          </a:xfrm>
+          <a:prstGeom prst="rect">
+            <a:avLst/>
+          </a:prstGeom>
+        </p:spPr>
+        <p:txBody>
+          <a:bodyPr spcFirstLastPara="1" wrap="square" lIns="91425" tIns="91425" rIns="91425" bIns="91425" anchor="t" anchorCtr="0">
+            <a:noAutofit/>
+          </a:bodyPr>
+          <a:lstStyle/>
+          <a:p>
+            <a:pPr marL="0" lvl="0" indent="0" algn="l" rtl="0">
+              <a:spcBef>
+                <a:spcPts val="600"/>
+              </a:spcBef>
+              <a:spcAft>
+                <a:spcPts val="0"/>
+              </a:spcAft>
+              <a:buNone/>
+            </a:pPr>
+            <a:r>
+              <a:rPr lang="en" sz="2400"/>
+              <a:t>In which of the following examples of two different brain-injured patients (Tom and Tim) is a double dissociation demonstrated?</a:t>
+            </a:r>
+            <a:endParaRPr sz="2400"/>
+          </a:p>
+          <a:p>
+            <a:pPr marL="457200" lvl="0" indent="-381000" algn="l" rtl="0">
+              <a:spcBef>
+                <a:spcPts val="600"/>
+              </a:spcBef>
+              <a:spcAft>
+                <a:spcPts val="0"/>
+              </a:spcAft>
+              <a:buSzPts val="2400"/>
+              <a:buChar char="▷"/>
+            </a:pPr>
+            <a:r>
+              <a:rPr lang="en" sz="2400"/>
+              <a:t>Both Tom and Tim have good episodic memory but poor semantic memory</a:t>
+            </a:r>
+            <a:endParaRPr sz="2400"/>
+          </a:p>
+          <a:p>
+            <a:pPr marL="457200" lvl="0" indent="-381000" algn="l" rtl="0">
+              <a:spcBef>
+                <a:spcPts val="0"/>
+              </a:spcBef>
+              <a:spcAft>
+                <a:spcPts val="0"/>
+              </a:spcAft>
+              <a:buSzPts val="2400"/>
+              <a:buChar char="▷"/>
+            </a:pPr>
+            <a:r>
+              <a:rPr lang="en" sz="2400"/>
+              <a:t>Tom and Tim both show deficits in episodic and semantic memory</a:t>
+            </a:r>
+            <a:endParaRPr sz="2400"/>
+          </a:p>
+          <a:p>
+            <a:pPr marL="457200" lvl="0" indent="-381000" algn="l" rtl="0">
+              <a:spcBef>
+                <a:spcPts val="0"/>
+              </a:spcBef>
+              <a:spcAft>
+                <a:spcPts val="0"/>
+              </a:spcAft>
+              <a:buSzPts val="2400"/>
+              <a:buChar char="▷"/>
+            </a:pPr>
+            <a:r>
+              <a:rPr lang="en" sz="2400"/>
+              <a:t>Tom has good semantic memory and poor episodic memory, while Tim has good episodic memory but poor semantic memory</a:t>
+            </a:r>
+            <a:endParaRPr sz="2400"/>
+          </a:p>
+          <a:p>
+            <a:pPr marL="457200" lvl="0" indent="-381000" algn="l" rtl="0">
+              <a:spcBef>
+                <a:spcPts val="0"/>
+              </a:spcBef>
+              <a:spcAft>
+                <a:spcPts val="0"/>
+              </a:spcAft>
+              <a:buSzPts val="2400"/>
+              <a:buChar char="▷"/>
+            </a:pPr>
+            <a:r>
+              <a:rPr lang="en" sz="2400"/>
+              <a:t>Both Tom and Tim have good semantic memory but poor episodic memory</a:t>
+            </a:r>
+            <a:endParaRPr sz="2400"/>
+          </a:p>
+        </p:txBody>
+      </p:sp>
+    </p:spTree>
+  </p:cSld>
+  <p:clrMapOvr>
+    <a:masterClrMapping/>
+  </p:clrMapOvr>
+</p:sld>
+</file>
+
+<file path=ppt/slides/slide61.xml><?xml version="1.0" encoding="utf-8"?>
+<p:sld xmlns:a="http://schemas.openxmlformats.org/drawingml/2006/main" xmlns:r="http://schemas.openxmlformats.org/officeDocument/2006/relationships" xmlns:p="http://schemas.openxmlformats.org/presentationml/2006/main">
+  <p:cSld>
+    <p:spTree>
+      <p:nvGrpSpPr>
         <p:cNvPr id="1" name="Shape 534"/>
         <p:cNvGrpSpPr/>
         <p:nvPr/>
@@ -28501,7 +28670,7 @@
 </p:sld>
 </file>
 
-<file path=ppt/slides/slide61.xml><?xml version="1.0" encoding="utf-8"?>
+<file path=ppt/slides/slide62.xml><?xml version="1.0" encoding="utf-8"?>
 <p:sld xmlns:a="http://schemas.openxmlformats.org/drawingml/2006/main" xmlns:r="http://schemas.openxmlformats.org/officeDocument/2006/relationships" xmlns:p="http://schemas.openxmlformats.org/presentationml/2006/main">
   <p:cSld>
     <p:spTree>
@@ -28644,7 +28813,7 @@
 </p:sld>
 </file>
 
-<file path=ppt/slides/slide62.xml><?xml version="1.0" encoding="utf-8"?>
+<file path=ppt/slides/slide63.xml><?xml version="1.0" encoding="utf-8"?>
 <p:sld xmlns:a="http://schemas.openxmlformats.org/drawingml/2006/main" xmlns:r="http://schemas.openxmlformats.org/officeDocument/2006/relationships" xmlns:p="http://schemas.openxmlformats.org/presentationml/2006/main">
   <p:cSld>
     <p:spTree>
@@ -28779,7 +28948,7 @@
 </p:sld>
 </file>
 
-<file path=ppt/slides/slide63.xml><?xml version="1.0" encoding="utf-8"?>
+<file path=ppt/slides/slide64.xml><?xml version="1.0" encoding="utf-8"?>
 <p:sld xmlns:a="http://schemas.openxmlformats.org/drawingml/2006/main" xmlns:r="http://schemas.openxmlformats.org/officeDocument/2006/relationships" xmlns:p="http://schemas.openxmlformats.org/presentationml/2006/main">
   <p:cSld>
     <p:spTree>
@@ -28914,7 +29083,7 @@
 </p:sld>
 </file>
 
-<file path=ppt/slides/slide64.xml><?xml version="1.0" encoding="utf-8"?>
+<file path=ppt/slides/slide65.xml><?xml version="1.0" encoding="utf-8"?>
 <p:sld xmlns:a="http://schemas.openxmlformats.org/drawingml/2006/main" xmlns:r="http://schemas.openxmlformats.org/officeDocument/2006/relationships" xmlns:p="http://schemas.openxmlformats.org/presentationml/2006/main">
   <p:cSld>
     <p:spTree>
@@ -29042,6 +29211,161 @@
         </p:txBody>
       </p:sp>
     </p:spTree>
+  </p:cSld>
+  <p:clrMapOvr>
+    <a:masterClrMapping/>
+  </p:clrMapOvr>
+</p:sld>
+</file>
+
+<file path=ppt/slides/slide66.xml><?xml version="1.0" encoding="utf-8"?>
+<p:sld xmlns:a="http://schemas.openxmlformats.org/drawingml/2006/main" xmlns:r="http://schemas.openxmlformats.org/officeDocument/2006/relationships" xmlns:p="http://schemas.openxmlformats.org/presentationml/2006/main">
+  <p:cSld>
+    <p:spTree>
+      <p:nvGrpSpPr>
+        <p:cNvPr id="1" name=""/>
+        <p:cNvGrpSpPr/>
+        <p:nvPr/>
+      </p:nvGrpSpPr>
+      <p:grpSpPr>
+        <a:xfrm>
+          <a:off x="0" y="0"/>
+          <a:ext cx="0" cy="0"/>
+          <a:chOff x="0" y="0"/>
+          <a:chExt cx="0" cy="0"/>
+        </a:xfrm>
+      </p:grpSpPr>
+      <p:sp>
+        <p:nvSpPr>
+          <p:cNvPr id="2" name="Title 1">
+            <a:extLst>
+              <a:ext uri="{FF2B5EF4-FFF2-40B4-BE49-F238E27FC236}">
+                <a16:creationId xmlns:a16="http://schemas.microsoft.com/office/drawing/2014/main" id="{BB2DAE4D-AA0D-43FC-A291-DEFFDD65D674}"/>
+              </a:ext>
+            </a:extLst>
+          </p:cNvPr>
+          <p:cNvSpPr>
+            <a:spLocks noGrp="1"/>
+          </p:cNvSpPr>
+          <p:nvPr>
+            <p:ph type="title"/>
+          </p:nvPr>
+        </p:nvSpPr>
+        <p:spPr/>
+        <p:txBody>
+          <a:bodyPr/>
+          <a:lstStyle/>
+          <a:p>
+            <a:r>
+              <a:rPr lang="en-US" dirty="0"/>
+              <a:t>MC Answer Key</a:t>
+            </a:r>
+          </a:p>
+        </p:txBody>
+      </p:sp>
+      <p:sp>
+        <p:nvSpPr>
+          <p:cNvPr id="3" name="Text Placeholder 2">
+            <a:extLst>
+              <a:ext uri="{FF2B5EF4-FFF2-40B4-BE49-F238E27FC236}">
+                <a16:creationId xmlns:a16="http://schemas.microsoft.com/office/drawing/2014/main" id="{9E30314F-41F7-417A-971A-B6DACEE481CF}"/>
+              </a:ext>
+            </a:extLst>
+          </p:cNvPr>
+          <p:cNvSpPr>
+            <a:spLocks noGrp="1"/>
+          </p:cNvSpPr>
+          <p:nvPr>
+            <p:ph type="body" idx="1"/>
+          </p:nvPr>
+        </p:nvSpPr>
+        <p:spPr>
+          <a:xfrm>
+            <a:off x="893699" y="1373588"/>
+            <a:ext cx="7953417" cy="3552300"/>
+          </a:xfrm>
+        </p:spPr>
+        <p:txBody>
+          <a:bodyPr/>
+          <a:lstStyle/>
+          <a:p>
+            <a:r>
+              <a:rPr lang="en-US" sz="2400" dirty="0"/>
+              <a:t>Decreases recency</a:t>
+            </a:r>
+          </a:p>
+          <a:p>
+            <a:r>
+              <a:rPr lang="en-US" sz="2400" dirty="0"/>
+              <a:t>Tom good semantic, Tim good episodic (3</a:t>
+            </a:r>
+            <a:r>
+              <a:rPr lang="en-US" sz="2400" baseline="30000" dirty="0"/>
+              <a:t>rd</a:t>
+            </a:r>
+            <a:r>
+              <a:rPr lang="en-US" sz="2400" dirty="0"/>
+              <a:t> one)</a:t>
+            </a:r>
+          </a:p>
+          <a:p>
+            <a:r>
+              <a:rPr lang="en-US" sz="2400" dirty="0"/>
+              <a:t>LTM unaffected by damage</a:t>
+            </a:r>
+          </a:p>
+          <a:p>
+            <a:r>
+              <a:rPr lang="en-US" sz="2400" dirty="0"/>
+              <a:t>Mental time travel</a:t>
+            </a:r>
+          </a:p>
+          <a:p>
+            <a:r>
+              <a:rPr lang="en-US" sz="2400" dirty="0"/>
+              <a:t>Day we learned about how talking (3</a:t>
+            </a:r>
+            <a:r>
+              <a:rPr lang="en-US" sz="2400" baseline="30000" dirty="0"/>
+              <a:t>rd</a:t>
+            </a:r>
+            <a:r>
+              <a:rPr lang="en-US" sz="2400" dirty="0"/>
+              <a:t>)</a:t>
+            </a:r>
+          </a:p>
+          <a:p>
+            <a:r>
+              <a:rPr lang="en-US" sz="2400" dirty="0"/>
+              <a:t>Episodic</a:t>
+            </a:r>
+          </a:p>
+          <a:p>
+            <a:r>
+              <a:rPr lang="en-US" sz="2400" dirty="0"/>
+              <a:t>Repetition Priming</a:t>
+            </a:r>
+          </a:p>
+          <a:p>
+            <a:endParaRPr lang="en-US" sz="2400" dirty="0"/>
+          </a:p>
+          <a:p>
+            <a:endParaRPr lang="en-US" sz="2400" dirty="0"/>
+          </a:p>
+          <a:p>
+            <a:endParaRPr lang="en-US" sz="2400" dirty="0"/>
+          </a:p>
+          <a:p>
+            <a:endParaRPr lang="en-US" sz="2400" dirty="0"/>
+          </a:p>
+        </p:txBody>
+      </p:sp>
+    </p:spTree>
+    <p:extLst>
+      <p:ext uri="{BB962C8B-B14F-4D97-AF65-F5344CB8AC3E}">
+        <p14:creationId xmlns:p14="http://schemas.microsoft.com/office/powerpoint/2010/main" val="2677535831"/>
+      </p:ext>
+    </p:extLst>
   </p:cSld>
   <p:clrMapOvr>
     <a:masterClrMapping/>
